--- a/ETC/[PPTPLUG]PP-151/[PPTPLUG]PP-151.pptx
+++ b/ETC/[PPTPLUG]PP-151/[PPTPLUG]PP-151.pptx
@@ -233,7 +233,7 @@
           <a:p>
             <a:fld id="{6BE1C6E6-C9EF-4AEA-9A59-A9694720BB3A}" type="datetimeFigureOut">
               <a:rPr lang="ko-KR" altLang="en-US" smtClean="0"/>
-              <a:t>2022-08-21</a:t>
+              <a:t>2022-11-01</a:t>
             </a:fld>
             <a:endParaRPr lang="ko-KR" altLang="en-US"/>
           </a:p>
@@ -1025,7 +1025,7 @@
   <p:clrMapOvr>
     <a:masterClrMapping/>
   </p:clrMapOvr>
-  <p:extLst mod="1">
+  <p:extLst>
     <p:ext uri="{DCECCB84-F9BA-43D5-87BE-67443E8EF086}">
       <p15:sldGuideLst xmlns:p15="http://schemas.microsoft.com/office/powerpoint/2012/main">
         <p15:guide id="1" orient="horz" pos="2160">
@@ -2213,8 +2213,8 @@
         </p:nvSpPr>
         <p:spPr>
           <a:xfrm>
-            <a:off x="5568175" y="2396665"/>
-            <a:ext cx="5801073" cy="770980"/>
+            <a:off x="3042459" y="2379961"/>
+            <a:ext cx="8326790" cy="804387"/>
           </a:xfrm>
           <a:prstGeom prst="rect">
             <a:avLst/>
@@ -2246,70 +2246,26 @@
           <a:p>
             <a:pPr algn="r"/>
             <a:r>
-              <a:rPr lang="ko-KR" altLang="en-US" sz="3600" dirty="0">
+              <a:rPr lang="en-US" altLang="ko-KR" sz="4000" dirty="0" err="1">
                 <a:solidFill>
                   <a:schemeClr val="bg1"/>
                 </a:solidFill>
               </a:rPr>
-              <a:t>슬라이드 주제를 입력하세요</a:t>
-            </a:r>
-          </a:p>
-        </p:txBody>
-      </p:sp>
-      <p:sp>
-        <p:nvSpPr>
-          <p:cNvPr id="5" name="TextBox 4">
-            <a:extLst>
-              <a:ext uri="{FF2B5EF4-FFF2-40B4-BE49-F238E27FC236}">
-                <a16:creationId xmlns:a16="http://schemas.microsoft.com/office/drawing/2014/main" id="{556D416C-1C3F-4124-A7C1-1B324DDF6B8E}"/>
-              </a:ext>
-            </a:extLst>
-          </p:cNvPr>
-          <p:cNvSpPr txBox="1"/>
-          <p:nvPr/>
-        </p:nvSpPr>
-        <p:spPr>
-          <a:xfrm>
-            <a:off x="7268207" y="3063473"/>
-            <a:ext cx="4101041" cy="469359"/>
-          </a:xfrm>
-          <a:prstGeom prst="rect">
-            <a:avLst/>
-          </a:prstGeom>
-          <a:noFill/>
-        </p:spPr>
-        <p:txBody>
-          <a:bodyPr wrap="square" rtlCol="0">
-            <a:spAutoFit/>
-          </a:bodyPr>
-          <a:lstStyle>
-            <a:defPPr>
-              <a:defRPr lang="ko-KR"/>
-            </a:defPPr>
-            <a:lvl1pPr>
-              <a:lnSpc>
-                <a:spcPct val="130000"/>
-              </a:lnSpc>
-              <a:defRPr>
-                <a:solidFill>
-                  <a:srgbClr val="181818"/>
-                </a:solidFill>
-                <a:latin typeface="KoPubWorld돋움체 Medium" panose="00000600000000000000" pitchFamily="2" charset="-127"/>
-                <a:ea typeface="KoPubWorld돋움체 Medium" panose="00000600000000000000" pitchFamily="2" charset="-127"/>
-                <a:cs typeface="KoPubWorld돋움체 Medium" panose="00000600000000000000" pitchFamily="2" charset="-127"/>
-              </a:defRPr>
-            </a:lvl1pPr>
-          </a:lstStyle>
-          <a:p>
-            <a:pPr algn="r"/>
-            <a:r>
-              <a:rPr lang="ko-KR" altLang="en-US" sz="2000" dirty="0">
+              <a:t>ISysE</a:t>
+            </a:r>
+            <a:r>
+              <a:rPr lang="en-US" altLang="ko-KR" sz="4000" dirty="0">
                 <a:solidFill>
                   <a:schemeClr val="bg1"/>
                 </a:solidFill>
               </a:rPr>
-              <a:t>부연주제를 입력하세요</a:t>
-            </a:r>
+              <a:t> Research Day Invitation</a:t>
+            </a:r>
+            <a:endParaRPr lang="ko-KR" altLang="en-US" sz="4000" dirty="0">
+              <a:solidFill>
+                <a:schemeClr val="bg1"/>
+              </a:solidFill>
+            </a:endParaRPr>
           </a:p>
         </p:txBody>
       </p:sp>
@@ -2557,386 +2513,6 @@
           </a:fontRef>
         </p:style>
       </p:cxnSp>
-      <p:pic>
-        <p:nvPicPr>
-          <p:cNvPr id="8" name="그림 7">
-            <a:extLst>
-              <a:ext uri="{FF2B5EF4-FFF2-40B4-BE49-F238E27FC236}">
-                <a16:creationId xmlns:a16="http://schemas.microsoft.com/office/drawing/2014/main" id="{2E664C0F-7A87-423A-8BE6-E8318B6ABC0E}"/>
-              </a:ext>
-            </a:extLst>
-          </p:cNvPr>
-          <p:cNvPicPr>
-            <a:picLocks noChangeAspect="1"/>
-          </p:cNvPicPr>
-          <p:nvPr/>
-        </p:nvPicPr>
-        <p:blipFill>
-          <a:blip r:embed="rId2">
-            <a:extLst>
-              <a:ext uri="{28A0092B-C50C-407E-A947-70E740481C1C}">
-                <a14:useLocalDpi xmlns:a14="http://schemas.microsoft.com/office/drawing/2010/main" val="0"/>
-              </a:ext>
-            </a:extLst>
-          </a:blip>
-          <a:stretch>
-            <a:fillRect/>
-          </a:stretch>
-        </p:blipFill>
-        <p:spPr>
-          <a:xfrm>
-            <a:off x="886466" y="760020"/>
-            <a:ext cx="2261847" cy="685572"/>
-          </a:xfrm>
-          <a:prstGeom prst="rect">
-            <a:avLst/>
-          </a:prstGeom>
-        </p:spPr>
-      </p:pic>
-      <p:sp>
-        <p:nvSpPr>
-          <p:cNvPr id="10" name="TextBox 9">
-            <a:extLst>
-              <a:ext uri="{FF2B5EF4-FFF2-40B4-BE49-F238E27FC236}">
-                <a16:creationId xmlns:a16="http://schemas.microsoft.com/office/drawing/2014/main" id="{55DBCC2C-F7C4-4E0B-AB2A-95DE79ED3171}"/>
-              </a:ext>
-            </a:extLst>
-          </p:cNvPr>
-          <p:cNvSpPr txBox="1"/>
-          <p:nvPr/>
-        </p:nvSpPr>
-        <p:spPr>
-          <a:xfrm>
-            <a:off x="0" y="-969399"/>
-            <a:ext cx="8602579" cy="800219"/>
-          </a:xfrm>
-          <a:prstGeom prst="rect">
-            <a:avLst/>
-          </a:prstGeom>
-          <a:noFill/>
-        </p:spPr>
-        <p:txBody>
-          <a:bodyPr wrap="square" rtlCol="0">
-            <a:spAutoFit/>
-          </a:bodyPr>
-          <a:lstStyle/>
-          <a:p>
-            <a:pPr algn="l">
-              <a:lnSpc>
-                <a:spcPct val="150000"/>
-              </a:lnSpc>
-            </a:pPr>
-            <a:r>
-              <a:rPr lang="en-US" altLang="ko-KR" sz="1600" dirty="0">
-                <a:solidFill>
-                  <a:schemeClr val="tx1">
-                    <a:lumMod val="75000"/>
-                    <a:lumOff val="25000"/>
-                  </a:schemeClr>
-                </a:solidFill>
-                <a:highlight>
-                  <a:srgbClr val="FFFF00"/>
-                </a:highlight>
-                <a:latin typeface="KoPubWorld돋움체 Light" panose="00000300000000000000" pitchFamily="2" charset="-127"/>
-                <a:ea typeface="KoPubWorld돋움체 Light" panose="00000300000000000000" pitchFamily="2" charset="-127"/>
-              </a:rPr>
-              <a:t>※ </a:t>
-            </a:r>
-            <a:r>
-              <a:rPr lang="ko-KR" altLang="en-US" sz="1600" dirty="0">
-                <a:solidFill>
-                  <a:schemeClr val="tx1">
-                    <a:lumMod val="75000"/>
-                    <a:lumOff val="25000"/>
-                  </a:schemeClr>
-                </a:solidFill>
-                <a:highlight>
-                  <a:srgbClr val="FFFF00"/>
-                </a:highlight>
-                <a:latin typeface="KoPubWorld돋움체 Light" panose="00000300000000000000" pitchFamily="2" charset="-127"/>
-                <a:ea typeface="KoPubWorld돋움체 Light" panose="00000300000000000000" pitchFamily="2" charset="-127"/>
-              </a:rPr>
-              <a:t>디자인 변경이  안되는 부분은 </a:t>
-            </a:r>
-            <a:r>
-              <a:rPr lang="en-US" altLang="ko-KR" sz="1600" dirty="0">
-                <a:solidFill>
-                  <a:schemeClr val="tx1">
-                    <a:lumMod val="75000"/>
-                    <a:lumOff val="25000"/>
-                  </a:schemeClr>
-                </a:solidFill>
-                <a:highlight>
-                  <a:srgbClr val="FFFF00"/>
-                </a:highlight>
-                <a:latin typeface="KoPubWorld돋움체 Light" panose="00000300000000000000" pitchFamily="2" charset="-127"/>
-                <a:ea typeface="KoPubWorld돋움체 Light" panose="00000300000000000000" pitchFamily="2" charset="-127"/>
-              </a:rPr>
-              <a:t>[</a:t>
-            </a:r>
-            <a:r>
-              <a:rPr lang="ko-KR" altLang="en-US" sz="1600" dirty="0">
-                <a:solidFill>
-                  <a:schemeClr val="tx1">
-                    <a:lumMod val="75000"/>
-                    <a:lumOff val="25000"/>
-                  </a:schemeClr>
-                </a:solidFill>
-                <a:highlight>
-                  <a:srgbClr val="FFFF00"/>
-                </a:highlight>
-                <a:latin typeface="KoPubWorld돋움체 Light" panose="00000300000000000000" pitchFamily="2" charset="-127"/>
-                <a:ea typeface="KoPubWorld돋움체 Light" panose="00000300000000000000" pitchFamily="2" charset="-127"/>
-              </a:rPr>
-              <a:t>보기</a:t>
-            </a:r>
-            <a:r>
-              <a:rPr lang="en-US" altLang="ko-KR" sz="1600" dirty="0">
-                <a:solidFill>
-                  <a:schemeClr val="tx1">
-                    <a:lumMod val="75000"/>
-                    <a:lumOff val="25000"/>
-                  </a:schemeClr>
-                </a:solidFill>
-                <a:highlight>
-                  <a:srgbClr val="FFFF00"/>
-                </a:highlight>
-                <a:latin typeface="KoPubWorld돋움체 Light" panose="00000300000000000000" pitchFamily="2" charset="-127"/>
-                <a:ea typeface="KoPubWorld돋움체 Light" panose="00000300000000000000" pitchFamily="2" charset="-127"/>
-              </a:rPr>
-              <a:t>]-</a:t>
-            </a:r>
-            <a:r>
-              <a:rPr lang="ko-KR" altLang="en-US" sz="1600" dirty="0">
-                <a:solidFill>
-                  <a:schemeClr val="tx1">
-                    <a:lumMod val="75000"/>
-                    <a:lumOff val="25000"/>
-                  </a:schemeClr>
-                </a:solidFill>
-                <a:highlight>
-                  <a:srgbClr val="FFFF00"/>
-                </a:highlight>
-                <a:latin typeface="KoPubWorld돋움체 Light" panose="00000300000000000000" pitchFamily="2" charset="-127"/>
-                <a:ea typeface="KoPubWorld돋움체 Light" panose="00000300000000000000" pitchFamily="2" charset="-127"/>
-              </a:rPr>
-              <a:t> </a:t>
-            </a:r>
-            <a:r>
-              <a:rPr lang="en-US" altLang="ko-KR" sz="1600" dirty="0">
-                <a:solidFill>
-                  <a:schemeClr val="tx1">
-                    <a:lumMod val="75000"/>
-                    <a:lumOff val="25000"/>
-                  </a:schemeClr>
-                </a:solidFill>
-                <a:highlight>
-                  <a:srgbClr val="FFFF00"/>
-                </a:highlight>
-                <a:latin typeface="KoPubWorld돋움체 Light" panose="00000300000000000000" pitchFamily="2" charset="-127"/>
-                <a:ea typeface="KoPubWorld돋움체 Light" panose="00000300000000000000" pitchFamily="2" charset="-127"/>
-              </a:rPr>
-              <a:t>[</a:t>
-            </a:r>
-            <a:r>
-              <a:rPr lang="ko-KR" altLang="en-US" sz="1600" dirty="0">
-                <a:solidFill>
-                  <a:schemeClr val="tx1">
-                    <a:lumMod val="75000"/>
-                    <a:lumOff val="25000"/>
-                  </a:schemeClr>
-                </a:solidFill>
-                <a:highlight>
-                  <a:srgbClr val="FFFF00"/>
-                </a:highlight>
-                <a:latin typeface="KoPubWorld돋움체 Light" panose="00000300000000000000" pitchFamily="2" charset="-127"/>
-                <a:ea typeface="KoPubWorld돋움체 Light" panose="00000300000000000000" pitchFamily="2" charset="-127"/>
-              </a:rPr>
-              <a:t>슬라이드 마스터</a:t>
-            </a:r>
-            <a:r>
-              <a:rPr lang="en-US" altLang="ko-KR" sz="1600" dirty="0">
-                <a:solidFill>
-                  <a:schemeClr val="tx1">
-                    <a:lumMod val="75000"/>
-                    <a:lumOff val="25000"/>
-                  </a:schemeClr>
-                </a:solidFill>
-                <a:highlight>
-                  <a:srgbClr val="FFFF00"/>
-                </a:highlight>
-                <a:latin typeface="KoPubWorld돋움체 Light" panose="00000300000000000000" pitchFamily="2" charset="-127"/>
-                <a:ea typeface="KoPubWorld돋움체 Light" panose="00000300000000000000" pitchFamily="2" charset="-127"/>
-              </a:rPr>
-              <a:t>]</a:t>
-            </a:r>
-            <a:r>
-              <a:rPr lang="ko-KR" altLang="en-US" sz="1600" dirty="0">
-                <a:solidFill>
-                  <a:schemeClr val="tx1">
-                    <a:lumMod val="75000"/>
-                    <a:lumOff val="25000"/>
-                  </a:schemeClr>
-                </a:solidFill>
-                <a:highlight>
-                  <a:srgbClr val="FFFF00"/>
-                </a:highlight>
-                <a:latin typeface="KoPubWorld돋움체 Light" panose="00000300000000000000" pitchFamily="2" charset="-127"/>
-                <a:ea typeface="KoPubWorld돋움체 Light" panose="00000300000000000000" pitchFamily="2" charset="-127"/>
-              </a:rPr>
-              <a:t>에 들어가면 편집 가능합니다</a:t>
-            </a:r>
-            <a:r>
-              <a:rPr lang="en-US" altLang="ko-KR" sz="1600" dirty="0">
-                <a:solidFill>
-                  <a:schemeClr val="tx1">
-                    <a:lumMod val="75000"/>
-                    <a:lumOff val="25000"/>
-                  </a:schemeClr>
-                </a:solidFill>
-                <a:highlight>
-                  <a:srgbClr val="FFFF00"/>
-                </a:highlight>
-                <a:latin typeface="KoPubWorld돋움체 Light" panose="00000300000000000000" pitchFamily="2" charset="-127"/>
-                <a:ea typeface="KoPubWorld돋움체 Light" panose="00000300000000000000" pitchFamily="2" charset="-127"/>
-              </a:rPr>
-              <a:t>.</a:t>
-            </a:r>
-          </a:p>
-          <a:p>
-            <a:pPr>
-              <a:lnSpc>
-                <a:spcPct val="150000"/>
-              </a:lnSpc>
-            </a:pPr>
-            <a:r>
-              <a:rPr lang="en-US" altLang="ko-KR" sz="1600" dirty="0">
-                <a:solidFill>
-                  <a:schemeClr val="tx1">
-                    <a:lumMod val="75000"/>
-                    <a:lumOff val="25000"/>
-                  </a:schemeClr>
-                </a:solidFill>
-                <a:highlight>
-                  <a:srgbClr val="FFFF00"/>
-                </a:highlight>
-                <a:latin typeface="KoPubWorld돋움체 Light" panose="00000300000000000000" pitchFamily="2" charset="-127"/>
-                <a:ea typeface="KoPubWorld돋움체 Light" panose="00000300000000000000" pitchFamily="2" charset="-127"/>
-              </a:rPr>
-              <a:t>※ </a:t>
-            </a:r>
-            <a:r>
-              <a:rPr lang="ko-KR" altLang="en-US" sz="1600" dirty="0">
-                <a:solidFill>
-                  <a:schemeClr val="tx1">
-                    <a:lumMod val="75000"/>
-                    <a:lumOff val="25000"/>
-                  </a:schemeClr>
-                </a:solidFill>
-                <a:highlight>
-                  <a:srgbClr val="FFFF00"/>
-                </a:highlight>
-                <a:latin typeface="KoPubWorld돋움체 Light" panose="00000300000000000000" pitchFamily="2" charset="-127"/>
-                <a:ea typeface="KoPubWorld돋움체 Light" panose="00000300000000000000" pitchFamily="2" charset="-127"/>
-              </a:rPr>
-              <a:t>슬라이드 좌우에 있는 샘플을 서식복사 </a:t>
-            </a:r>
-            <a:r>
-              <a:rPr lang="en-US" altLang="ko-KR" sz="1600" dirty="0">
-                <a:solidFill>
-                  <a:schemeClr val="tx1">
-                    <a:lumMod val="75000"/>
-                    <a:lumOff val="25000"/>
-                  </a:schemeClr>
-                </a:solidFill>
-                <a:highlight>
-                  <a:srgbClr val="FFFF00"/>
-                </a:highlight>
-                <a:latin typeface="KoPubWorld돋움체 Light" panose="00000300000000000000" pitchFamily="2" charset="-127"/>
-                <a:ea typeface="KoPubWorld돋움체 Light" panose="00000300000000000000" pitchFamily="2" charset="-127"/>
-              </a:rPr>
-              <a:t>,  </a:t>
-            </a:r>
-            <a:r>
-              <a:rPr lang="ko-KR" altLang="en-US" sz="1600" dirty="0">
-                <a:solidFill>
-                  <a:schemeClr val="tx1">
-                    <a:lumMod val="75000"/>
-                    <a:lumOff val="25000"/>
-                  </a:schemeClr>
-                </a:solidFill>
-                <a:highlight>
-                  <a:srgbClr val="FFFF00"/>
-                </a:highlight>
-                <a:latin typeface="KoPubWorld돋움체 Light" panose="00000300000000000000" pitchFamily="2" charset="-127"/>
-                <a:ea typeface="KoPubWorld돋움체 Light" panose="00000300000000000000" pitchFamily="2" charset="-127"/>
-              </a:rPr>
-              <a:t>복사</a:t>
-            </a:r>
-            <a:r>
-              <a:rPr lang="en-US" altLang="ko-KR" sz="1600" dirty="0">
-                <a:solidFill>
-                  <a:schemeClr val="tx1">
-                    <a:lumMod val="75000"/>
-                    <a:lumOff val="25000"/>
-                  </a:schemeClr>
-                </a:solidFill>
-                <a:highlight>
-                  <a:srgbClr val="FFFF00"/>
-                </a:highlight>
-                <a:latin typeface="KoPubWorld돋움체 Light" panose="00000300000000000000" pitchFamily="2" charset="-127"/>
-                <a:ea typeface="KoPubWorld돋움체 Light" panose="00000300000000000000" pitchFamily="2" charset="-127"/>
-              </a:rPr>
-              <a:t>,  </a:t>
-            </a:r>
-            <a:r>
-              <a:rPr lang="ko-KR" altLang="en-US" sz="1600" dirty="0">
-                <a:solidFill>
-                  <a:schemeClr val="tx1">
-                    <a:lumMod val="75000"/>
-                    <a:lumOff val="25000"/>
-                  </a:schemeClr>
-                </a:solidFill>
-                <a:highlight>
-                  <a:srgbClr val="FFFF00"/>
-                </a:highlight>
-                <a:latin typeface="KoPubWorld돋움체 Light" panose="00000300000000000000" pitchFamily="2" charset="-127"/>
-                <a:ea typeface="KoPubWorld돋움체 Light" panose="00000300000000000000" pitchFamily="2" charset="-127"/>
-              </a:rPr>
-              <a:t>컬러  스포이드 해서 사용하면 작업이 편합니다</a:t>
-            </a:r>
-            <a:r>
-              <a:rPr lang="en-US" altLang="ko-KR" sz="1600" dirty="0">
-                <a:solidFill>
-                  <a:schemeClr val="tx1">
-                    <a:lumMod val="75000"/>
-                    <a:lumOff val="25000"/>
-                  </a:schemeClr>
-                </a:solidFill>
-                <a:highlight>
-                  <a:srgbClr val="FFFF00"/>
-                </a:highlight>
-                <a:latin typeface="KoPubWorld돋움체 Light" panose="00000300000000000000" pitchFamily="2" charset="-127"/>
-                <a:ea typeface="KoPubWorld돋움체 Light" panose="00000300000000000000" pitchFamily="2" charset="-127"/>
-              </a:rPr>
-              <a:t>.</a:t>
-            </a:r>
-            <a:endParaRPr lang="ko-KR" altLang="en-US" sz="1600" dirty="0">
-              <a:solidFill>
-                <a:schemeClr val="tx1">
-                  <a:lumMod val="75000"/>
-                  <a:lumOff val="25000"/>
-                </a:schemeClr>
-              </a:solidFill>
-              <a:highlight>
-                <a:srgbClr val="FFFF00"/>
-              </a:highlight>
-              <a:latin typeface="KoPubWorld돋움체 Light" panose="00000300000000000000" pitchFamily="2" charset="-127"/>
-              <a:ea typeface="KoPubWorld돋움체 Light" panose="00000300000000000000" pitchFamily="2" charset="-127"/>
-            </a:endParaRPr>
-          </a:p>
-        </p:txBody>
-      </p:sp>
       <p:grpSp>
         <p:nvGrpSpPr>
           <p:cNvPr id="11" name="그룹 10">
@@ -11854,42 +11430,6 @@
           </p:txBody>
         </p:sp>
       </p:grpSp>
-      <p:pic>
-        <p:nvPicPr>
-          <p:cNvPr id="13" name="그림 12">
-            <a:extLst>
-              <a:ext uri="{FF2B5EF4-FFF2-40B4-BE49-F238E27FC236}">
-                <a16:creationId xmlns:a16="http://schemas.microsoft.com/office/drawing/2014/main" id="{36357D91-4139-4AE5-AA7C-20DA070FBB1F}"/>
-              </a:ext>
-            </a:extLst>
-          </p:cNvPr>
-          <p:cNvPicPr>
-            <a:picLocks noChangeAspect="1"/>
-          </p:cNvPicPr>
-          <p:nvPr/>
-        </p:nvPicPr>
-        <p:blipFill>
-          <a:blip r:embed="rId2">
-            <a:extLst>
-              <a:ext uri="{28A0092B-C50C-407E-A947-70E740481C1C}">
-                <a14:useLocalDpi xmlns:a14="http://schemas.microsoft.com/office/drawing/2010/main" val="0"/>
-              </a:ext>
-            </a:extLst>
-          </a:blip>
-          <a:stretch>
-            <a:fillRect/>
-          </a:stretch>
-        </p:blipFill>
-        <p:spPr>
-          <a:xfrm>
-            <a:off x="9776780" y="6035703"/>
-            <a:ext cx="1923117" cy="581514"/>
-          </a:xfrm>
-          <a:prstGeom prst="rect">
-            <a:avLst/>
-          </a:prstGeom>
-        </p:spPr>
-      </p:pic>
     </p:spTree>
     <p:extLst>
       <p:ext uri="{BB962C8B-B14F-4D97-AF65-F5344CB8AC3E}">
@@ -17292,42 +16832,6 @@
           </a:p>
         </p:txBody>
       </p:sp>
-      <p:pic>
-        <p:nvPicPr>
-          <p:cNvPr id="12" name="그림 11">
-            <a:extLst>
-              <a:ext uri="{FF2B5EF4-FFF2-40B4-BE49-F238E27FC236}">
-                <a16:creationId xmlns:a16="http://schemas.microsoft.com/office/drawing/2014/main" id="{01337FE2-B2C0-4BD5-BE06-0CB0DDFC3067}"/>
-              </a:ext>
-            </a:extLst>
-          </p:cNvPr>
-          <p:cNvPicPr>
-            <a:picLocks noChangeAspect="1"/>
-          </p:cNvPicPr>
-          <p:nvPr/>
-        </p:nvPicPr>
-        <p:blipFill>
-          <a:blip r:embed="rId2">
-            <a:extLst>
-              <a:ext uri="{28A0092B-C50C-407E-A947-70E740481C1C}">
-                <a14:useLocalDpi xmlns:a14="http://schemas.microsoft.com/office/drawing/2010/main" val="0"/>
-              </a:ext>
-            </a:extLst>
-          </a:blip>
-          <a:stretch>
-            <a:fillRect/>
-          </a:stretch>
-        </p:blipFill>
-        <p:spPr>
-          <a:xfrm>
-            <a:off x="9776780" y="352533"/>
-            <a:ext cx="1923117" cy="581514"/>
-          </a:xfrm>
-          <a:prstGeom prst="rect">
-            <a:avLst/>
-          </a:prstGeom>
-        </p:spPr>
-      </p:pic>
       <p:grpSp>
         <p:nvGrpSpPr>
           <p:cNvPr id="11" name="그룹 10">
